--- a/MRTA-main/고급 알고리즘_발표.pptx
+++ b/MRTA-main/고급 알고리즘_발표.pptx
@@ -149,7 +149,7 @@
 <file path=ppt/revisionInfo.xml><?xml version="1.0" encoding="utf-8"?>
 <p1510:revInfo xmlns:a="http://schemas.openxmlformats.org/drawingml/2006/main" xmlns:r="http://schemas.openxmlformats.org/officeDocument/2006/relationships" xmlns:p1510="http://schemas.microsoft.com/office/powerpoint/2015/10/main">
   <p1510:revLst>
-    <p1510:client id="{815A6C75-9FF4-4DE0-9761-556A87078B4E}" v="1033" dt="2022-06-18T14:24:54.396"/>
+    <p1510:client id="{815A6C75-9FF4-4DE0-9761-556A87078B4E}" v="1071" dt="2022-06-21T04:27:07.477"/>
   </p1510:revLst>
 </p1510:revInfo>
 </file>
@@ -996,7 +996,7 @@
   <pc:docChgLst>
     <pc:chgData name="황순재[ 대학원석사과정재학 / 전기전자공학과 ]" userId="88af96e6-5d7a-4a2d-90dd-d9a95151a793" providerId="ADAL" clId="{815A6C75-9FF4-4DE0-9761-556A87078B4E}"/>
     <pc:docChg chg="undo redo custSel addSld delSld modSld sldOrd">
-      <pc:chgData name="황순재[ 대학원석사과정재학 / 전기전자공학과 ]" userId="88af96e6-5d7a-4a2d-90dd-d9a95151a793" providerId="ADAL" clId="{815A6C75-9FF4-4DE0-9761-556A87078B4E}" dt="2022-06-18T14:26:34.705" v="12694" actId="1076"/>
+      <pc:chgData name="황순재[ 대학원석사과정재학 / 전기전자공학과 ]" userId="88af96e6-5d7a-4a2d-90dd-d9a95151a793" providerId="ADAL" clId="{815A6C75-9FF4-4DE0-9761-556A87078B4E}" dt="2022-06-21T04:27:07.481" v="13081" actId="20577"/>
       <pc:docMkLst>
         <pc:docMk/>
       </pc:docMkLst>
@@ -1016,7 +1016,7 @@
         </pc:spChg>
       </pc:sldChg>
       <pc:sldChg chg="modSp mod">
-        <pc:chgData name="황순재[ 대학원석사과정재학 / 전기전자공학과 ]" userId="88af96e6-5d7a-4a2d-90dd-d9a95151a793" providerId="ADAL" clId="{815A6C75-9FF4-4DE0-9761-556A87078B4E}" dt="2022-06-18T12:03:36.677" v="2773" actId="20577"/>
+        <pc:chgData name="황순재[ 대학원석사과정재학 / 전기전자공학과 ]" userId="88af96e6-5d7a-4a2d-90dd-d9a95151a793" providerId="ADAL" clId="{815A6C75-9FF4-4DE0-9761-556A87078B4E}" dt="2022-06-21T04:26:49.297" v="13073" actId="20577"/>
         <pc:sldMkLst>
           <pc:docMk/>
           <pc:sldMk cId="2327623167" sldId="257"/>
@@ -1030,7 +1030,7 @@
           </ac:spMkLst>
         </pc:spChg>
         <pc:spChg chg="mod">
-          <ac:chgData name="황순재[ 대학원석사과정재학 / 전기전자공학과 ]" userId="88af96e6-5d7a-4a2d-90dd-d9a95151a793" providerId="ADAL" clId="{815A6C75-9FF4-4DE0-9761-556A87078B4E}" dt="2022-06-18T12:03:36.677" v="2773" actId="20577"/>
+          <ac:chgData name="황순재[ 대학원석사과정재학 / 전기전자공학과 ]" userId="88af96e6-5d7a-4a2d-90dd-d9a95151a793" providerId="ADAL" clId="{815A6C75-9FF4-4DE0-9761-556A87078B4E}" dt="2022-06-21T04:26:49.297" v="13073" actId="20577"/>
           <ac:spMkLst>
             <pc:docMk/>
             <pc:sldMk cId="2327623167" sldId="257"/>
@@ -1061,13 +1061,13 @@
         </pc:sldMkLst>
       </pc:sldChg>
       <pc:sldChg chg="addSp modSp add mod">
-        <pc:chgData name="황순재[ 대학원석사과정재학 / 전기전자공학과 ]" userId="88af96e6-5d7a-4a2d-90dd-d9a95151a793" providerId="ADAL" clId="{815A6C75-9FF4-4DE0-9761-556A87078B4E}" dt="2022-06-18T12:02:42.675" v="2762" actId="20577"/>
+        <pc:chgData name="황순재[ 대학원석사과정재학 / 전기전자공학과 ]" userId="88af96e6-5d7a-4a2d-90dd-d9a95151a793" providerId="ADAL" clId="{815A6C75-9FF4-4DE0-9761-556A87078B4E}" dt="2022-06-21T04:27:07.481" v="13081" actId="20577"/>
         <pc:sldMkLst>
           <pc:docMk/>
           <pc:sldMk cId="2129905872" sldId="260"/>
         </pc:sldMkLst>
         <pc:spChg chg="mod">
-          <ac:chgData name="황순재[ 대학원석사과정재학 / 전기전자공학과 ]" userId="88af96e6-5d7a-4a2d-90dd-d9a95151a793" providerId="ADAL" clId="{815A6C75-9FF4-4DE0-9761-556A87078B4E}" dt="2022-06-18T12:02:42.675" v="2762" actId="20577"/>
+          <ac:chgData name="황순재[ 대학원석사과정재학 / 전기전자공학과 ]" userId="88af96e6-5d7a-4a2d-90dd-d9a95151a793" providerId="ADAL" clId="{815A6C75-9FF4-4DE0-9761-556A87078B4E}" dt="2022-06-21T04:27:07.481" v="13081" actId="20577"/>
           <ac:spMkLst>
             <pc:docMk/>
             <pc:sldMk cId="2129905872" sldId="260"/>
@@ -1084,13 +1084,13 @@
         </pc:picChg>
       </pc:sldChg>
       <pc:sldChg chg="addSp delSp modSp add mod">
-        <pc:chgData name="황순재[ 대학원석사과정재학 / 전기전자공학과 ]" userId="88af96e6-5d7a-4a2d-90dd-d9a95151a793" providerId="ADAL" clId="{815A6C75-9FF4-4DE0-9761-556A87078B4E}" dt="2022-06-18T12:33:35.832" v="5216" actId="20577"/>
+        <pc:chgData name="황순재[ 대학원석사과정재학 / 전기전자공학과 ]" userId="88af96e6-5d7a-4a2d-90dd-d9a95151a793" providerId="ADAL" clId="{815A6C75-9FF4-4DE0-9761-556A87078B4E}" dt="2022-06-21T04:14:15.270" v="12767"/>
         <pc:sldMkLst>
           <pc:docMk/>
           <pc:sldMk cId="1658237505" sldId="261"/>
         </pc:sldMkLst>
         <pc:spChg chg="mod">
-          <ac:chgData name="황순재[ 대학원석사과정재학 / 전기전자공학과 ]" userId="88af96e6-5d7a-4a2d-90dd-d9a95151a793" providerId="ADAL" clId="{815A6C75-9FF4-4DE0-9761-556A87078B4E}" dt="2022-06-18T12:33:35.832" v="5216" actId="20577"/>
+          <ac:chgData name="황순재[ 대학원석사과정재학 / 전기전자공학과 ]" userId="88af96e6-5d7a-4a2d-90dd-d9a95151a793" providerId="ADAL" clId="{815A6C75-9FF4-4DE0-9761-556A87078B4E}" dt="2022-06-21T04:14:15.270" v="12767"/>
           <ac:spMkLst>
             <pc:docMk/>
             <pc:sldMk cId="1658237505" sldId="261"/>
@@ -1217,13 +1217,13 @@
         </pc:picChg>
       </pc:sldChg>
       <pc:sldChg chg="modSp add mod">
-        <pc:chgData name="황순재[ 대학원석사과정재학 / 전기전자공학과 ]" userId="88af96e6-5d7a-4a2d-90dd-d9a95151a793" providerId="ADAL" clId="{815A6C75-9FF4-4DE0-9761-556A87078B4E}" dt="2022-06-18T12:49:23.604" v="7923" actId="20577"/>
+        <pc:chgData name="황순재[ 대학원석사과정재학 / 전기전자공학과 ]" userId="88af96e6-5d7a-4a2d-90dd-d9a95151a793" providerId="ADAL" clId="{815A6C75-9FF4-4DE0-9761-556A87078B4E}" dt="2022-06-21T04:16:48.908" v="12772"/>
         <pc:sldMkLst>
           <pc:docMk/>
           <pc:sldMk cId="1790890423" sldId="264"/>
         </pc:sldMkLst>
         <pc:spChg chg="mod">
-          <ac:chgData name="황순재[ 대학원석사과정재학 / 전기전자공학과 ]" userId="88af96e6-5d7a-4a2d-90dd-d9a95151a793" providerId="ADAL" clId="{815A6C75-9FF4-4DE0-9761-556A87078B4E}" dt="2022-06-18T12:49:23.604" v="7923" actId="20577"/>
+          <ac:chgData name="황순재[ 대학원석사과정재학 / 전기전자공학과 ]" userId="88af96e6-5d7a-4a2d-90dd-d9a95151a793" providerId="ADAL" clId="{815A6C75-9FF4-4DE0-9761-556A87078B4E}" dt="2022-06-21T04:16:48.908" v="12772"/>
           <ac:spMkLst>
             <pc:docMk/>
             <pc:sldMk cId="1790890423" sldId="264"/>
@@ -1930,7 +1930,7 @@
         </pc:picChg>
       </pc:sldChg>
       <pc:sldChg chg="addSp delSp modSp add mod">
-        <pc:chgData name="황순재[ 대학원석사과정재학 / 전기전자공학과 ]" userId="88af96e6-5d7a-4a2d-90dd-d9a95151a793" providerId="ADAL" clId="{815A6C75-9FF4-4DE0-9761-556A87078B4E}" dt="2022-06-18T13:46:39.878" v="9182" actId="1076"/>
+        <pc:chgData name="황순재[ 대학원석사과정재학 / 전기전자공학과 ]" userId="88af96e6-5d7a-4a2d-90dd-d9a95151a793" providerId="ADAL" clId="{815A6C75-9FF4-4DE0-9761-556A87078B4E}" dt="2022-06-21T04:18:57.944" v="12777"/>
         <pc:sldMkLst>
           <pc:docMk/>
           <pc:sldMk cId="1546088674" sldId="277"/>
@@ -1944,7 +1944,7 @@
           </ac:spMkLst>
         </pc:spChg>
         <pc:spChg chg="add mod">
-          <ac:chgData name="황순재[ 대학원석사과정재학 / 전기전자공학과 ]" userId="88af96e6-5d7a-4a2d-90dd-d9a95151a793" providerId="ADAL" clId="{815A6C75-9FF4-4DE0-9761-556A87078B4E}" dt="2022-06-18T13:46:39.878" v="9182" actId="1076"/>
+          <ac:chgData name="황순재[ 대학원석사과정재학 / 전기전자공학과 ]" userId="88af96e6-5d7a-4a2d-90dd-d9a95151a793" providerId="ADAL" clId="{815A6C75-9FF4-4DE0-9761-556A87078B4E}" dt="2022-06-21T04:18:57.944" v="12777"/>
           <ac:spMkLst>
             <pc:docMk/>
             <pc:sldMk cId="1546088674" sldId="277"/>
@@ -2024,13 +2024,13 @@
         </pc:graphicFrameChg>
       </pc:sldChg>
       <pc:sldChg chg="modSp add mod">
-        <pc:chgData name="황순재[ 대학원석사과정재학 / 전기전자공학과 ]" userId="88af96e6-5d7a-4a2d-90dd-d9a95151a793" providerId="ADAL" clId="{815A6C75-9FF4-4DE0-9761-556A87078B4E}" dt="2022-06-18T13:58:34.555" v="11624" actId="20577"/>
+        <pc:chgData name="황순재[ 대학원석사과정재학 / 전기전자공학과 ]" userId="88af96e6-5d7a-4a2d-90dd-d9a95151a793" providerId="ADAL" clId="{815A6C75-9FF4-4DE0-9761-556A87078B4E}" dt="2022-06-21T04:23:46.287" v="13065" actId="20577"/>
         <pc:sldMkLst>
           <pc:docMk/>
           <pc:sldMk cId="2325773667" sldId="279"/>
         </pc:sldMkLst>
         <pc:spChg chg="mod">
-          <ac:chgData name="황순재[ 대학원석사과정재학 / 전기전자공학과 ]" userId="88af96e6-5d7a-4a2d-90dd-d9a95151a793" providerId="ADAL" clId="{815A6C75-9FF4-4DE0-9761-556A87078B4E}" dt="2022-06-18T13:58:34.555" v="11624" actId="20577"/>
+          <ac:chgData name="황순재[ 대학원석사과정재학 / 전기전자공학과 ]" userId="88af96e6-5d7a-4a2d-90dd-d9a95151a793" providerId="ADAL" clId="{815A6C75-9FF4-4DE0-9761-556A87078B4E}" dt="2022-06-21T04:23:46.287" v="13065" actId="20577"/>
           <ac:spMkLst>
             <pc:docMk/>
             <pc:sldMk cId="2325773667" sldId="279"/>
@@ -3970,7 +3970,7 @@
           <a:p>
             <a:fld id="{D1E33AD7-BC83-4B04-A290-E18617224CA7}" type="datetimeFigureOut">
               <a:rPr lang="ko-KR" altLang="en-US" smtClean="0"/>
-              <a:t>2022-06-18</a:t>
+              <a:t>2022-06-21</a:t>
             </a:fld>
             <a:endParaRPr lang="ko-KR" altLang="en-US"/>
           </a:p>
@@ -7130,7 +7130,7 @@
           <a:p>
             <a:fld id="{B5736151-28D1-4A43-B664-CE0AE7ABDD57}" type="datetime1">
               <a:rPr lang="ko-KR" altLang="en-US" smtClean="0"/>
-              <a:t>2022-06-18</a:t>
+              <a:t>2022-06-21</a:t>
             </a:fld>
             <a:endParaRPr lang="ko-KR" altLang="en-US"/>
           </a:p>
@@ -7328,7 +7328,7 @@
           <a:p>
             <a:fld id="{AFCD485C-5F8C-46A2-816B-65C5CFDB3E60}" type="datetime1">
               <a:rPr lang="ko-KR" altLang="en-US" smtClean="0"/>
-              <a:t>2022-06-18</a:t>
+              <a:t>2022-06-21</a:t>
             </a:fld>
             <a:endParaRPr lang="ko-KR" altLang="en-US"/>
           </a:p>
@@ -7536,7 +7536,7 @@
           <a:p>
             <a:fld id="{854C4AC3-D0D4-4317-A3D5-6175C0C07788}" type="datetime1">
               <a:rPr lang="ko-KR" altLang="en-US" smtClean="0"/>
-              <a:t>2022-06-18</a:t>
+              <a:t>2022-06-21</a:t>
             </a:fld>
             <a:endParaRPr lang="ko-KR" altLang="en-US"/>
           </a:p>
@@ -7734,7 +7734,7 @@
           <a:p>
             <a:fld id="{E07AE019-52FC-4015-9EED-6EB904ADBE94}" type="datetime1">
               <a:rPr lang="ko-KR" altLang="en-US" smtClean="0"/>
-              <a:t>2022-06-18</a:t>
+              <a:t>2022-06-21</a:t>
             </a:fld>
             <a:endParaRPr lang="ko-KR" altLang="en-US"/>
           </a:p>
@@ -8009,7 +8009,7 @@
           <a:p>
             <a:fld id="{BD26CFE9-4973-4FF7-90A7-FA8BEA6BBBE0}" type="datetime1">
               <a:rPr lang="ko-KR" altLang="en-US" smtClean="0"/>
-              <a:t>2022-06-18</a:t>
+              <a:t>2022-06-21</a:t>
             </a:fld>
             <a:endParaRPr lang="ko-KR" altLang="en-US"/>
           </a:p>
@@ -8274,7 +8274,7 @@
           <a:p>
             <a:fld id="{CEA84697-7E2B-471E-B00B-79D3E911A48A}" type="datetime1">
               <a:rPr lang="ko-KR" altLang="en-US" smtClean="0"/>
-              <a:t>2022-06-18</a:t>
+              <a:t>2022-06-21</a:t>
             </a:fld>
             <a:endParaRPr lang="ko-KR" altLang="en-US"/>
           </a:p>
@@ -8686,7 +8686,7 @@
           <a:p>
             <a:fld id="{6B0884DD-E891-4525-A9B6-0981EC9A2173}" type="datetime1">
               <a:rPr lang="ko-KR" altLang="en-US" smtClean="0"/>
-              <a:t>2022-06-18</a:t>
+              <a:t>2022-06-21</a:t>
             </a:fld>
             <a:endParaRPr lang="ko-KR" altLang="en-US"/>
           </a:p>
@@ -8827,7 +8827,7 @@
           <a:p>
             <a:fld id="{9722E59D-C427-421A-AF9E-4668C7EFB09C}" type="datetime1">
               <a:rPr lang="ko-KR" altLang="en-US" smtClean="0"/>
-              <a:t>2022-06-18</a:t>
+              <a:t>2022-06-21</a:t>
             </a:fld>
             <a:endParaRPr lang="ko-KR" altLang="en-US"/>
           </a:p>
@@ -8940,7 +8940,7 @@
           <a:p>
             <a:fld id="{A40BC51C-4EC0-4822-A46A-447FA062B283}" type="datetime1">
               <a:rPr lang="ko-KR" altLang="en-US" smtClean="0"/>
-              <a:t>2022-06-18</a:t>
+              <a:t>2022-06-21</a:t>
             </a:fld>
             <a:endParaRPr lang="ko-KR" altLang="en-US"/>
           </a:p>
@@ -9251,7 +9251,7 @@
           <a:p>
             <a:fld id="{F0584BE6-4AA2-4C67-A5D9-D763A64EB6B2}" type="datetime1">
               <a:rPr lang="ko-KR" altLang="en-US" smtClean="0"/>
-              <a:t>2022-06-18</a:t>
+              <a:t>2022-06-21</a:t>
             </a:fld>
             <a:endParaRPr lang="ko-KR" altLang="en-US"/>
           </a:p>
@@ -9539,7 +9539,7 @@
           <a:p>
             <a:fld id="{702710CE-1A56-440D-848D-5373847D558B}" type="datetime1">
               <a:rPr lang="ko-KR" altLang="en-US" smtClean="0"/>
-              <a:t>2022-06-18</a:t>
+              <a:t>2022-06-21</a:t>
             </a:fld>
             <a:endParaRPr lang="ko-KR" altLang="en-US"/>
           </a:p>
@@ -9780,7 +9780,7 @@
           <a:p>
             <a:fld id="{F0D0604E-48D7-4BB1-A29D-F7A6474B98E2}" type="datetime1">
               <a:rPr lang="ko-KR" altLang="en-US" smtClean="0"/>
-              <a:t>2022-06-18</a:t>
+              <a:t>2022-06-21</a:t>
             </a:fld>
             <a:endParaRPr lang="ko-KR" altLang="en-US"/>
           </a:p>
@@ -13002,7 +13002,15 @@
             </a:r>
             <a:r>
               <a:rPr lang="ko-KR" altLang="en-US" sz="2000" dirty="0"/>
-              <a:t>이 탐색해야 할 좌표 설정 방법으로는 </a:t>
+              <a:t>이 탐색해야 할 </a:t>
+            </a:r>
+            <a:r>
+              <a:rPr lang="ko-KR" altLang="en-US" sz="2000" dirty="0" err="1"/>
+              <a:t>타켓</a:t>
+            </a:r>
+            <a:r>
+              <a:rPr lang="ko-KR" altLang="en-US" sz="2000" dirty="0"/>
+              <a:t> 좌표 설정 방법으로는 </a:t>
             </a:r>
             <a:r>
               <a:rPr lang="en-US" altLang="ko-KR" sz="2000" dirty="0"/>
@@ -13039,7 +13047,15 @@
             </a:r>
             <a:r>
               <a:rPr lang="ko-KR" altLang="en-US" sz="2000" dirty="0"/>
-              <a:t>의 상대적 위치를 체크한 다음 위에 있는 </a:t>
+              <a:t>의 상대적 위치를 체크한 다음</a:t>
+            </a:r>
+            <a:r>
+              <a:rPr lang="en-US" altLang="ko-KR" sz="2000" dirty="0"/>
+              <a:t>,</a:t>
+            </a:r>
+            <a:r>
+              <a:rPr lang="ko-KR" altLang="en-US" sz="2000" dirty="0"/>
+              <a:t> 위에 있는 </a:t>
             </a:r>
             <a:r>
               <a:rPr lang="en-US" altLang="ko-KR" sz="2000" dirty="0"/>
@@ -14772,7 +14788,7 @@
             </a:r>
             <a:r>
               <a:rPr lang="ko-KR" altLang="en-US" sz="2000" dirty="0" err="1"/>
-              <a:t>연산량이</a:t>
+              <a:t>연산량을</a:t>
             </a:r>
             <a:r>
               <a:rPr lang="ko-KR" altLang="en-US" sz="2000" dirty="0"/>
@@ -15480,11 +15496,35 @@
             </a:r>
             <a:r>
               <a:rPr lang="en-US" altLang="ko-KR" sz="2000" dirty="0"/>
-              <a:t>RANDOM</a:t>
-            </a:r>
-            <a:r>
-              <a:rPr lang="ko-KR" altLang="en-US" sz="2000" dirty="0"/>
-              <a:t>으로 진행할 때 워낙 많은 부분이 </a:t>
+              <a:t>Drone</a:t>
+            </a:r>
+            <a:r>
+              <a:rPr lang="ko-KR" altLang="en-US" sz="2000" dirty="0"/>
+              <a:t>의 총 에너지량 한계상 탐색하지 못한 부분이 많게 되고</a:t>
+            </a:r>
+            <a:r>
+              <a:rPr lang="en-US" altLang="ko-KR" sz="2000" dirty="0"/>
+              <a:t>, Random</a:t>
+            </a:r>
+            <a:r>
+              <a:rPr lang="ko-KR" altLang="en-US" sz="2000" dirty="0"/>
+              <a:t>의 경우 워낙 많은 부분이 </a:t>
+            </a:r>
+            <a:r>
+              <a:rPr lang="ko-KR" altLang="en-US" sz="2000" dirty="0" err="1"/>
+              <a:t>미탐색</a:t>
+            </a:r>
+            <a:r>
+              <a:rPr lang="ko-KR" altLang="en-US" sz="2000" dirty="0"/>
+              <a:t> 상태이기 때문에</a:t>
+            </a:r>
+            <a:r>
+              <a:rPr lang="en-US" altLang="ko-KR" sz="2000" dirty="0"/>
+              <a:t> </a:t>
+            </a:r>
+            <a:r>
+              <a:rPr lang="ko-KR" altLang="en-US" sz="2000" dirty="0"/>
+              <a:t>이러한 부분을 탐색할 때 </a:t>
             </a:r>
             <a:r>
               <a:rPr lang="en-US" altLang="ko-KR" sz="2000" dirty="0"/>
@@ -15492,22 +15532,6 @@
             </a:r>
             <a:r>
               <a:rPr lang="ko-KR" altLang="en-US" sz="2000" dirty="0"/>
-              <a:t>한계상 탐색하지 못한 부분이 많게 되고</a:t>
-            </a:r>
-            <a:r>
-              <a:rPr lang="en-US" altLang="ko-KR" sz="2000" dirty="0"/>
-              <a:t>, </a:t>
-            </a:r>
-            <a:r>
-              <a:rPr lang="ko-KR" altLang="en-US" sz="2000" dirty="0"/>
-              <a:t>이러한 부분을 탐색할 때 </a:t>
-            </a:r>
-            <a:r>
-              <a:rPr lang="en-US" altLang="ko-KR" sz="2000" dirty="0"/>
-              <a:t>ENERGY </a:t>
-            </a:r>
-            <a:r>
-              <a:rPr lang="ko-KR" altLang="en-US" sz="2000" dirty="0"/>
               <a:t>손실이 적게 일어나게 된다</a:t>
             </a:r>
             <a:r>
@@ -15530,6 +15554,19 @@
             <a:r>
               <a:rPr lang="ko-KR" altLang="en-US" sz="2000" dirty="0"/>
               <a:t>를 더 잘 찾게 되는 것 같다</a:t>
+            </a:r>
+            <a:r>
+              <a:rPr lang="en-US" altLang="ko-KR" sz="2000" dirty="0"/>
+              <a:t>.</a:t>
+            </a:r>
+          </a:p>
+          <a:p>
+            <a:endParaRPr lang="en-US" altLang="ko-KR" sz="2000" dirty="0"/>
+          </a:p>
+          <a:p>
+            <a:r>
+              <a:rPr lang="ko-KR" altLang="en-US" sz="2000" dirty="0"/>
+              <a:t>다음으로 기존의 실험에서 시간과 에너지량만 늘린 결과도 함께 살펴보자</a:t>
             </a:r>
             <a:r>
               <a:rPr lang="en-US" altLang="ko-KR" sz="2000" dirty="0"/>
@@ -18293,7 +18330,19 @@
           <a:p>
             <a:r>
               <a:rPr lang="ko-KR" altLang="en-US" sz="2000" dirty="0"/>
-              <a:t>에서 아까 앞에서 각 로봇들에 할당해준 좌표들로 어떻게 </a:t>
+              <a:t>에서 아까 앞에서 각 로봇들에 할당해준 </a:t>
+            </a:r>
+            <a:r>
+              <a:rPr lang="ko-KR" altLang="en-US" sz="2000" dirty="0" err="1"/>
+              <a:t>타켓</a:t>
+            </a:r>
+            <a:r>
+              <a:rPr lang="ko-KR" altLang="en-US" sz="2000"/>
+              <a:t> 좌표들로 </a:t>
+            </a:r>
+            <a:r>
+              <a:rPr lang="ko-KR" altLang="en-US" sz="2000" dirty="0"/>
+              <a:t>어떻게 </a:t>
             </a:r>
             <a:r>
               <a:rPr lang="en-US" altLang="ko-KR" sz="2000" dirty="0"/>
@@ -18668,16 +18717,20 @@
           </a:p>
           <a:p>
             <a:r>
-              <a:rPr lang="ko-KR" altLang="en-US" sz="2000" dirty="0"/>
-              <a:t>제가 사용한 </a:t>
-            </a:r>
-            <a:r>
               <a:rPr lang="en-US" altLang="ko-KR" sz="2000" dirty="0"/>
               <a:t>A* </a:t>
             </a:r>
             <a:r>
               <a:rPr lang="ko-KR" altLang="en-US" sz="2000" dirty="0"/>
-              <a:t>알고리즘의 </a:t>
+              <a:t>알고리즘은 사용자가 정의 할 수 있는데</a:t>
+            </a:r>
+            <a:r>
+              <a:rPr lang="en-US" altLang="ko-KR" sz="2000" dirty="0"/>
+              <a:t>, </a:t>
+            </a:r>
+            <a:r>
+              <a:rPr lang="ko-KR" altLang="en-US" sz="2000" dirty="0"/>
+              <a:t>이때 </a:t>
             </a:r>
             <a:r>
               <a:rPr lang="en-US" altLang="ko-KR" sz="2000" dirty="0"/>
@@ -18685,7 +18738,7 @@
             </a:r>
             <a:r>
               <a:rPr lang="ko-KR" altLang="en-US" sz="2000" dirty="0"/>
-              <a:t>으로는 현재 좌표에서 이동 가능한 위</a:t>
+              <a:t>은 현재 좌표에서 이동 가능한 위</a:t>
             </a:r>
             <a:r>
               <a:rPr lang="en-US" altLang="ko-KR" sz="2000" dirty="0"/>
@@ -19814,7 +19867,7 @@
             </a:r>
             <a:r>
               <a:rPr lang="ko-KR" altLang="en-US" sz="2000" dirty="0"/>
-              <a:t>을 넘게 되면 앞에 </a:t>
+              <a:t>을 넘게 되면 앞의 </a:t>
             </a:r>
             <a:r>
               <a:rPr lang="ko-KR" altLang="en-US" sz="2000" dirty="0" err="1"/>
